--- a/作業區/系統分析與設計作業/0527需求分析/19柯昱廷-專題需求分析.pptx
+++ b/作業區/系統分析與設計作業/0527需求分析/19柯昱廷-專題需求分析.pptx
@@ -22,16 +22,16 @@
   <p:notesSz cx="6858000" cy="9144000"/>
   <p:embeddedFontLst>
     <p:embeddedFont>
-      <p:font typeface="Nunito" panose="02020500000000000000" charset="0"/>
+      <p:font typeface="Maven Pro" panose="02020500000000000000" charset="0"/>
       <p:regular r:id="rId12"/>
       <p:bold r:id="rId13"/>
-      <p:italic r:id="rId14"/>
-      <p:boldItalic r:id="rId15"/>
     </p:embeddedFont>
     <p:embeddedFont>
-      <p:font typeface="Maven Pro" panose="02020500000000000000" charset="0"/>
-      <p:regular r:id="rId16"/>
-      <p:bold r:id="rId17"/>
+      <p:font typeface="Nunito" panose="02020500000000000000" charset="0"/>
+      <p:regular r:id="rId14"/>
+      <p:bold r:id="rId15"/>
+      <p:italic r:id="rId16"/>
+      <p:boldItalic r:id="rId17"/>
     </p:embeddedFont>
   </p:embeddedFontLst>
   <p:defaultTextStyle>
@@ -16504,26 +16504,26 @@
       </p:sp>
       <p:pic>
         <p:nvPicPr>
-          <p:cNvPr id="5" name="image1.png"/>
-          <p:cNvPicPr/>
+          <p:cNvPr id="2" name="圖片 1"/>
+          <p:cNvPicPr>
+            <a:picLocks noChangeAspect="1"/>
+          </p:cNvPicPr>
           <p:nvPr/>
         </p:nvPicPr>
         <p:blipFill>
           <a:blip r:embed="rId3"/>
-          <a:srcRect/>
           <a:stretch>
             <a:fillRect/>
           </a:stretch>
         </p:blipFill>
         <p:spPr>
           <a:xfrm>
-            <a:off x="934114" y="808383"/>
-            <a:ext cx="7231754" cy="3985591"/>
+            <a:off x="762675" y="776860"/>
+            <a:ext cx="7505025" cy="4176140"/>
           </a:xfrm>
           <a:prstGeom prst="rect">
             <a:avLst/>
           </a:prstGeom>
-          <a:ln/>
         </p:spPr>
       </p:pic>
     </p:spTree>
